--- a/Documentation/Presentation_final_PSO_Pyteam.pptx
+++ b/Documentation/Presentation_final_PSO_Pyteam.pptx
@@ -17,9 +17,10 @@
     <p:sldId id="259" r:id="rId11"/>
     <p:sldId id="261" r:id="rId12"/>
     <p:sldId id="281" r:id="rId13"/>
-    <p:sldId id="282" r:id="rId14"/>
-    <p:sldId id="260" r:id="rId15"/>
-    <p:sldId id="263" r:id="rId16"/>
+    <p:sldId id="283" r:id="rId14"/>
+    <p:sldId id="282" r:id="rId15"/>
+    <p:sldId id="260" r:id="rId16"/>
+    <p:sldId id="263" r:id="rId17"/>
   </p:sldIdLst>
   <p:sldSz cx="9144000" cy="6858000" type="screen4x3"/>
   <p:notesSz cx="6858000" cy="9144000"/>
@@ -331,7 +332,7 @@
           <a:p>
             <a:fld id="{18DA7A65-120B-44B5-9CA7-EC23E690165B}" type="datetimeFigureOut">
               <a:rPr lang="en-US" smtClean="0"/>
-              <a:t>6/23/2020</a:t>
+              <a:t>6/24/2020</a:t>
             </a:fld>
             <a:endParaRPr lang="en-US" dirty="0"/>
           </a:p>
@@ -496,7 +497,7 @@
           <a:p>
             <a:fld id="{18DA7A65-120B-44B5-9CA7-EC23E690165B}" type="datetimeFigureOut">
               <a:rPr lang="en-US" smtClean="0"/>
-              <a:t>6/23/2020</a:t>
+              <a:t>6/24/2020</a:t>
             </a:fld>
             <a:endParaRPr lang="en-US" dirty="0"/>
           </a:p>
@@ -671,7 +672,7 @@
           <a:p>
             <a:fld id="{18DA7A65-120B-44B5-9CA7-EC23E690165B}" type="datetimeFigureOut">
               <a:rPr lang="en-US" smtClean="0"/>
-              <a:t>6/23/2020</a:t>
+              <a:t>6/24/2020</a:t>
             </a:fld>
             <a:endParaRPr lang="en-US" dirty="0"/>
           </a:p>
@@ -836,7 +837,7 @@
           <a:p>
             <a:fld id="{18DA7A65-120B-44B5-9CA7-EC23E690165B}" type="datetimeFigureOut">
               <a:rPr lang="en-US" smtClean="0"/>
-              <a:t>6/23/2020</a:t>
+              <a:t>6/24/2020</a:t>
             </a:fld>
             <a:endParaRPr lang="en-US" dirty="0"/>
           </a:p>
@@ -1077,7 +1078,7 @@
           <a:p>
             <a:fld id="{18DA7A65-120B-44B5-9CA7-EC23E690165B}" type="datetimeFigureOut">
               <a:rPr lang="en-US" smtClean="0"/>
-              <a:t>6/23/2020</a:t>
+              <a:t>6/24/2020</a:t>
             </a:fld>
             <a:endParaRPr lang="en-US" dirty="0"/>
           </a:p>
@@ -1360,7 +1361,7 @@
           <a:p>
             <a:fld id="{18DA7A65-120B-44B5-9CA7-EC23E690165B}" type="datetimeFigureOut">
               <a:rPr lang="en-US" smtClean="0"/>
-              <a:t>6/23/2020</a:t>
+              <a:t>6/24/2020</a:t>
             </a:fld>
             <a:endParaRPr lang="en-US" dirty="0"/>
           </a:p>
@@ -1789,7 +1790,7 @@
           <a:p>
             <a:fld id="{18DA7A65-120B-44B5-9CA7-EC23E690165B}" type="datetimeFigureOut">
               <a:rPr lang="en-US" smtClean="0"/>
-              <a:t>6/23/2020</a:t>
+              <a:t>6/24/2020</a:t>
             </a:fld>
             <a:endParaRPr lang="en-US" dirty="0"/>
           </a:p>
@@ -1902,7 +1903,7 @@
           <a:p>
             <a:fld id="{18DA7A65-120B-44B5-9CA7-EC23E690165B}" type="datetimeFigureOut">
               <a:rPr lang="en-US" smtClean="0"/>
-              <a:t>6/23/2020</a:t>
+              <a:t>6/24/2020</a:t>
             </a:fld>
             <a:endParaRPr lang="en-US" dirty="0"/>
           </a:p>
@@ -1992,7 +1993,7 @@
           <a:p>
             <a:fld id="{18DA7A65-120B-44B5-9CA7-EC23E690165B}" type="datetimeFigureOut">
               <a:rPr lang="en-US" smtClean="0"/>
-              <a:t>6/23/2020</a:t>
+              <a:t>6/24/2020</a:t>
             </a:fld>
             <a:endParaRPr lang="en-US" dirty="0"/>
           </a:p>
@@ -2181,7 +2182,7 @@
           <a:p>
             <a:fld id="{18DA7A65-120B-44B5-9CA7-EC23E690165B}" type="datetimeFigureOut">
               <a:rPr lang="en-US" smtClean="0"/>
-              <a:t>6/23/2020</a:t>
+              <a:t>6/24/2020</a:t>
             </a:fld>
             <a:endParaRPr lang="en-US" dirty="0"/>
           </a:p>
@@ -2499,7 +2500,7 @@
           <a:p>
             <a:fld id="{18DA7A65-120B-44B5-9CA7-EC23E690165B}" type="datetimeFigureOut">
               <a:rPr lang="en-US" smtClean="0"/>
-              <a:t>6/23/2020</a:t>
+              <a:t>6/24/2020</a:t>
             </a:fld>
             <a:endParaRPr lang="en-US" dirty="0"/>
           </a:p>
@@ -2878,7 +2879,7 @@
           <a:p>
             <a:fld id="{18DA7A65-120B-44B5-9CA7-EC23E690165B}" type="datetimeFigureOut">
               <a:rPr lang="en-US" smtClean="0"/>
-              <a:t>6/23/2020</a:t>
+              <a:t>6/24/2020</a:t>
             </a:fld>
             <a:endParaRPr lang="en-US" dirty="0"/>
           </a:p>
@@ -4699,6 +4700,13 @@
   <p:clrMapOvr>
     <a:masterClrMapping/>
   </p:clrMapOvr>
+  <p:timing>
+    <p:tnLst>
+      <p:par>
+        <p:cTn id="1" dur="indefinite" restart="never" nodeType="tmRoot"/>
+      </p:par>
+    </p:tnLst>
+  </p:timing>
 </p:sld>
 </file>
 
@@ -4735,83 +4743,228 @@
           <a:lstStyle/>
           <a:p>
             <a:r>
-              <a:rPr lang="en-US" sz="3600" dirty="0" smtClean="0">
-                <a:latin typeface="Times New Roman" pitchFamily="18" charset="0"/>
-                <a:cs typeface="Times New Roman" pitchFamily="18" charset="0"/>
-              </a:rPr>
+              <a:rPr lang="en-US" dirty="0" smtClean="0"/>
               <a:t>Experimental Analysis:</a:t>
             </a:r>
-            <a:endParaRPr lang="en-US" sz="3600" dirty="0">
-              <a:latin typeface="Times New Roman" pitchFamily="18" charset="0"/>
-              <a:cs typeface="Times New Roman" pitchFamily="18" charset="0"/>
-            </a:endParaRPr>
-          </a:p>
-        </p:txBody>
-      </p:sp>
-      <p:sp>
-        <p:nvSpPr>
-          <p:cNvPr id="3" name="Content Placeholder 2"/>
-          <p:cNvSpPr>
-            <a:spLocks noGrp="1"/>
-          </p:cNvSpPr>
-          <p:nvPr>
-            <p:ph idx="1"/>
-          </p:nvPr>
-        </p:nvSpPr>
-        <p:spPr/>
-        <p:txBody>
-          <a:bodyPr/>
-          <a:lstStyle/>
-          <a:p>
-            <a:r>
-              <a:rPr lang="en-US" dirty="0" smtClean="0"/>
-              <a:t>We’ll test our code on following test cases,</a:t>
-            </a:r>
-          </a:p>
-          <a:p>
-            <a:endParaRPr lang="en-US" dirty="0"/>
-          </a:p>
-        </p:txBody>
-      </p:sp>
-      <p:pic>
-        <p:nvPicPr>
-          <p:cNvPr id="4" name="Picture 3"/>
-          <p:cNvPicPr>
-            <a:picLocks noChangeAspect="1"/>
-          </p:cNvPicPr>
-          <p:nvPr/>
-        </p:nvPicPr>
-        <p:blipFill rotWithShape="1">
-          <a:blip r:embed="rId2">
-            <a:extLst>
-              <a:ext uri="{28A0092B-C50C-407E-A947-70E740481C1C}">
-                <a14:useLocalDpi xmlns:a14="http://schemas.microsoft.com/office/drawing/2010/main" val="0"/>
-              </a:ext>
-            </a:extLst>
-          </a:blip>
-          <a:srcRect l="1818" t="26150" r="66971" b="44206"/>
-          <a:stretch/>
-        </p:blipFill>
-        <p:spPr>
-          <a:xfrm>
-            <a:off x="1143000" y="2202872"/>
-            <a:ext cx="6248400" cy="3893128"/>
-          </a:xfrm>
-          <a:prstGeom prst="rect">
-            <a:avLst/>
-          </a:prstGeom>
-        </p:spPr>
-      </p:pic>
+            <a:endParaRPr lang="en-GB" dirty="0"/>
+          </a:p>
+        </p:txBody>
+      </p:sp>
+      <mc:AlternateContent xmlns:mc="http://schemas.openxmlformats.org/markup-compatibility/2006">
+        <mc:Choice xmlns:a14="http://schemas.microsoft.com/office/drawing/2010/main" Requires="a14">
+          <p:sp>
+            <p:nvSpPr>
+              <p:cNvPr id="3" name="Content Placeholder 2"/>
+              <p:cNvSpPr>
+                <a:spLocks noGrp="1"/>
+              </p:cNvSpPr>
+              <p:nvPr>
+                <p:ph idx="1"/>
+              </p:nvPr>
+            </p:nvSpPr>
+            <p:spPr/>
+            <p:txBody>
+              <a:bodyPr/>
+              <a:lstStyle/>
+              <a:p>
+                <a:r>
+                  <a:rPr lang="en-US" dirty="0" smtClean="0"/>
+                  <a:t>For validation we will be using </a:t>
+                </a:r>
+                <a:r>
+                  <a:rPr lang="en-US" dirty="0" err="1" smtClean="0"/>
+                  <a:t>PySwarm</a:t>
+                </a:r>
+                <a:r>
+                  <a:rPr lang="en-US" dirty="0" smtClean="0"/>
+                  <a:t> library that performs all the PSO optimization functions on the backend.</a:t>
+                </a:r>
+                <a:endParaRPr lang="en-GB" dirty="0" smtClean="0"/>
+              </a:p>
+              <a:p>
+                <a:r>
+                  <a:rPr lang="en-US" dirty="0" smtClean="0"/>
+                  <a:t>We will be optimizing sphere function using our PSO implementation and </a:t>
+                </a:r>
+                <a:r>
+                  <a:rPr lang="en-US" dirty="0" err="1" smtClean="0"/>
+                  <a:t>PySwarms</a:t>
+                </a:r>
+                <a:r>
+                  <a:rPr lang="en-US" dirty="0"/>
+                  <a:t> </a:t>
+                </a:r>
+                <a:r>
+                  <a:rPr lang="en-US" dirty="0" smtClean="0"/>
+                  <a:t>and similarly for </a:t>
+                </a:r>
+                <a:r>
+                  <a:rPr lang="en-US" dirty="0" err="1" smtClean="0"/>
+                  <a:t>Rastrigin</a:t>
+                </a:r>
+                <a:r>
+                  <a:rPr lang="en-US" dirty="0" smtClean="0"/>
+                  <a:t> function</a:t>
+                </a:r>
+              </a:p>
+              <a:p>
+                <a:r>
+                  <a:rPr lang="en-US" dirty="0" smtClean="0"/>
+                  <a:t>To better understand the effect of size problem in PSO, the code would be tested using different data sets.</a:t>
+                </a:r>
+              </a:p>
+              <a:p>
+                <a:r>
+                  <a:rPr lang="en-US" dirty="0"/>
+                  <a:t>In all cases c1, c2 and w </a:t>
+                </a:r>
+                <a:r>
+                  <a:rPr lang="en-US" dirty="0" smtClean="0"/>
+                  <a:t>will be </a:t>
+                </a:r>
+                <a:r>
+                  <a:rPr lang="en-US" dirty="0"/>
+                  <a:t>kept constant as 0.5, 0.3, 0.9 respectively.</a:t>
+                </a:r>
+              </a:p>
+              <a:p>
+                <a:r>
+                  <a:rPr lang="en-US" dirty="0" smtClean="0"/>
+                  <a:t>The search space would be bounded with </a:t>
+                </a:r>
+                <a:r>
+                  <a:rPr lang="en-US" i="1" dirty="0"/>
+                  <a:t> </a:t>
+                </a:r>
+                <a:r>
+                  <a:rPr lang="en-US" i="1" dirty="0" smtClean="0"/>
+                  <a:t>                              </a:t>
+                </a:r>
+                <a14:m>
+                  <m:oMath xmlns:m="http://schemas.openxmlformats.org/officeDocument/2006/math">
+                    <m:r>
+                      <a:rPr lang="en-US" i="1" smtClean="0"/>
+                      <m:t>𝑥</m:t>
+                    </m:r>
+                    <m:r>
+                      <a:rPr lang="en-US" i="1" smtClean="0"/>
+                      <m:t>∈</m:t>
+                    </m:r>
+                    <m:d>
+                      <m:dPr>
+                        <m:begChr m:val="["/>
+                        <m:endChr m:val="]"/>
+                        <m:ctrlPr>
+                          <a:rPr lang="en-US" i="1">
+                            <a:latin typeface="Cambria Math" panose="02040503050406030204" pitchFamily="18" charset="0"/>
+                          </a:rPr>
+                        </m:ctrlPr>
+                      </m:dPr>
+                      <m:e>
+                        <m:r>
+                          <a:rPr lang="en-US" i="1"/>
+                          <m:t>−5.12, 5.12 </m:t>
+                        </m:r>
+                      </m:e>
+                    </m:d>
+                    <m:r>
+                      <a:rPr lang="en-US" b="0" i="0" smtClean="0">
+                        <a:latin typeface="Cambria Math" panose="02040503050406030204" pitchFamily="18" charset="0"/>
+                      </a:rPr>
+                      <m:t>  </m:t>
+                    </m:r>
+                    <m:r>
+                      <m:rPr>
+                        <m:sty m:val="p"/>
+                      </m:rPr>
+                      <a:rPr lang="en-US" b="0" i="0" smtClean="0">
+                        <a:latin typeface="Cambria Math" panose="02040503050406030204" pitchFamily="18" charset="0"/>
+                      </a:rPr>
+                      <m:t>and</m:t>
+                    </m:r>
+                    <m:r>
+                      <a:rPr lang="en-US" b="0" i="0" smtClean="0">
+                        <a:latin typeface="Cambria Math" panose="02040503050406030204" pitchFamily="18" charset="0"/>
+                      </a:rPr>
+                      <m:t> </m:t>
+                    </m:r>
+                  </m:oMath>
+                </a14:m>
+                <a:r>
+                  <a:rPr lang="en-US" dirty="0" smtClean="0"/>
+                  <a:t>velocity would be within </a:t>
+                </a:r>
+                <a14:m>
+                  <m:oMath xmlns:m="http://schemas.openxmlformats.org/officeDocument/2006/math">
+                    <m:r>
+                      <a:rPr lang="en-US" i="1"/>
+                      <m:t>𝑣</m:t>
+                    </m:r>
+                    <m:r>
+                      <a:rPr lang="en-US" i="1"/>
+                      <m:t>∈[ 0 , 15 ]</m:t>
+                    </m:r>
+                  </m:oMath>
+                </a14:m>
+                <a:r>
+                  <a:rPr lang="en-US" dirty="0" smtClean="0"/>
+                  <a:t>.</a:t>
+                </a:r>
+              </a:p>
+            </p:txBody>
+          </p:sp>
+        </mc:Choice>
+        <mc:Fallback>
+          <p:sp>
+            <p:nvSpPr>
+              <p:cNvPr id="3" name="Content Placeholder 2"/>
+              <p:cNvSpPr>
+                <a:spLocks noGrp="1" noRot="1" noChangeAspect="1" noMove="1" noResize="1" noEditPoints="1" noAdjustHandles="1" noChangeArrowheads="1" noChangeShapeType="1" noTextEdit="1"/>
+              </p:cNvSpPr>
+              <p:nvPr>
+                <p:ph idx="1"/>
+              </p:nvPr>
+            </p:nvSpPr>
+            <p:spPr>
+              <a:blipFill rotWithShape="0">
+                <a:blip r:embed="rId2"/>
+                <a:stretch>
+                  <a:fillRect t="-889" r="-480"/>
+                </a:stretch>
+              </a:blipFill>
+            </p:spPr>
+            <p:txBody>
+              <a:bodyPr/>
+              <a:lstStyle/>
+              <a:p>
+                <a:r>
+                  <a:rPr lang="en-GB">
+                    <a:noFill/>
+                  </a:rPr>
+                  <a:t> </a:t>
+                </a:r>
+              </a:p>
+            </p:txBody>
+          </p:sp>
+        </mc:Fallback>
+      </mc:AlternateContent>
     </p:spTree>
     <p:extLst>
       <p:ext uri="{BB962C8B-B14F-4D97-AF65-F5344CB8AC3E}">
-        <p14:creationId xmlns:p14="http://schemas.microsoft.com/office/powerpoint/2010/main" val="4209534533"/>
+        <p14:creationId xmlns:p14="http://schemas.microsoft.com/office/powerpoint/2010/main" val="3958427857"/>
       </p:ext>
     </p:extLst>
   </p:cSld>
   <p:clrMapOvr>
     <a:masterClrMapping/>
   </p:clrMapOvr>
+  <p:timing>
+    <p:tnLst>
+      <p:par>
+        <p:cTn id="1" dur="indefinite" restart="never" nodeType="tmRoot"/>
+      </p:par>
+    </p:tnLst>
+  </p:timing>
 </p:sld>
 </file>
 
@@ -4844,6 +4997,349 @@
         </p:nvSpPr>
         <p:spPr/>
         <p:txBody>
+          <a:bodyPr/>
+          <a:lstStyle/>
+          <a:p>
+            <a:r>
+              <a:rPr lang="en-US" sz="3600" dirty="0" smtClean="0">
+                <a:latin typeface="Times New Roman" pitchFamily="18" charset="0"/>
+                <a:cs typeface="Times New Roman" pitchFamily="18" charset="0"/>
+              </a:rPr>
+              <a:t>Experimental Analysis:</a:t>
+            </a:r>
+            <a:endParaRPr lang="en-US" sz="3600" dirty="0">
+              <a:latin typeface="Times New Roman" pitchFamily="18" charset="0"/>
+              <a:cs typeface="Times New Roman" pitchFamily="18" charset="0"/>
+            </a:endParaRPr>
+          </a:p>
+        </p:txBody>
+      </p:sp>
+      <p:sp>
+        <p:nvSpPr>
+          <p:cNvPr id="3" name="Content Placeholder 2"/>
+          <p:cNvSpPr>
+            <a:spLocks noGrp="1"/>
+          </p:cNvSpPr>
+          <p:nvPr>
+            <p:ph idx="1"/>
+          </p:nvPr>
+        </p:nvSpPr>
+        <p:spPr>
+          <a:xfrm>
+            <a:off x="428767" y="1417638"/>
+            <a:ext cx="7620000" cy="4800600"/>
+          </a:xfrm>
+        </p:spPr>
+        <p:txBody>
+          <a:bodyPr/>
+          <a:lstStyle/>
+          <a:p>
+            <a:r>
+              <a:rPr lang="en-US" dirty="0" smtClean="0"/>
+              <a:t>We’ll </a:t>
+            </a:r>
+            <a:r>
+              <a:rPr lang="en-US" dirty="0" smtClean="0"/>
+              <a:t>test </a:t>
+            </a:r>
+            <a:r>
+              <a:rPr lang="en-US" dirty="0"/>
+              <a:t>S</a:t>
+            </a:r>
+            <a:r>
+              <a:rPr lang="en-US" dirty="0" smtClean="0"/>
+              <a:t>phere and </a:t>
+            </a:r>
+            <a:r>
+              <a:rPr lang="en-US" dirty="0" err="1"/>
+              <a:t>R</a:t>
+            </a:r>
+            <a:r>
+              <a:rPr lang="en-US" dirty="0" err="1" smtClean="0"/>
+              <a:t>astrigin</a:t>
+            </a:r>
+            <a:r>
+              <a:rPr lang="en-US" dirty="0" smtClean="0"/>
+              <a:t> function </a:t>
+            </a:r>
+            <a:r>
+              <a:rPr lang="en-US" dirty="0" smtClean="0"/>
+              <a:t>on following test cases,</a:t>
+            </a:r>
+          </a:p>
+          <a:p>
+            <a:endParaRPr lang="en-US" dirty="0"/>
+          </a:p>
+        </p:txBody>
+      </p:sp>
+      <p:pic>
+        <p:nvPicPr>
+          <p:cNvPr id="4" name="Picture 3"/>
+          <p:cNvPicPr>
+            <a:picLocks noChangeAspect="1"/>
+          </p:cNvPicPr>
+          <p:nvPr/>
+        </p:nvPicPr>
+        <p:blipFill rotWithShape="1">
+          <a:blip r:embed="rId2">
+            <a:extLst>
+              <a:ext uri="{28A0092B-C50C-407E-A947-70E740481C1C}">
+                <a14:useLocalDpi xmlns:a14="http://schemas.microsoft.com/office/drawing/2010/main" val="0"/>
+              </a:ext>
+            </a:extLst>
+          </a:blip>
+          <a:srcRect l="21991" t="26150" r="66971" b="44206"/>
+          <a:stretch/>
+        </p:blipFill>
+        <p:spPr>
+          <a:xfrm>
+            <a:off x="6009807" y="2951375"/>
+            <a:ext cx="2209800" cy="3893128"/>
+          </a:xfrm>
+          <a:prstGeom prst="rect">
+            <a:avLst/>
+          </a:prstGeom>
+        </p:spPr>
+      </p:pic>
+      <p:pic>
+        <p:nvPicPr>
+          <p:cNvPr id="5" name="Picture 4"/>
+          <p:cNvPicPr>
+            <a:picLocks noChangeAspect="1"/>
+          </p:cNvPicPr>
+          <p:nvPr/>
+        </p:nvPicPr>
+        <p:blipFill rotWithShape="1">
+          <a:blip r:embed="rId2">
+            <a:extLst>
+              <a:ext uri="{28A0092B-C50C-407E-A947-70E740481C1C}">
+                <a14:useLocalDpi xmlns:a14="http://schemas.microsoft.com/office/drawing/2010/main" val="0"/>
+              </a:ext>
+            </a:extLst>
+          </a:blip>
+          <a:srcRect l="11334" t="26150" r="78009" b="44206"/>
+          <a:stretch/>
+        </p:blipFill>
+        <p:spPr>
+          <a:xfrm>
+            <a:off x="973499" y="2953521"/>
+            <a:ext cx="2132424" cy="3890982"/>
+          </a:xfrm>
+          <a:prstGeom prst="rect">
+            <a:avLst/>
+          </a:prstGeom>
+        </p:spPr>
+      </p:pic>
+      <p:pic>
+        <p:nvPicPr>
+          <p:cNvPr id="6" name="Picture 5"/>
+          <p:cNvPicPr>
+            <a:picLocks noChangeAspect="1"/>
+          </p:cNvPicPr>
+          <p:nvPr/>
+        </p:nvPicPr>
+        <p:blipFill rotWithShape="1">
+          <a:blip r:embed="rId2">
+            <a:extLst>
+              <a:ext uri="{28A0092B-C50C-407E-A947-70E740481C1C}">
+                <a14:useLocalDpi xmlns:a14="http://schemas.microsoft.com/office/drawing/2010/main" val="0"/>
+              </a:ext>
+            </a:extLst>
+          </a:blip>
+          <a:srcRect l="1817" t="26150" r="88287" b="44206"/>
+          <a:stretch/>
+        </p:blipFill>
+        <p:spPr>
+          <a:xfrm>
+            <a:off x="3588640" y="2951375"/>
+            <a:ext cx="1981200" cy="3893128"/>
+          </a:xfrm>
+          <a:prstGeom prst="rect">
+            <a:avLst/>
+          </a:prstGeom>
+        </p:spPr>
+      </p:pic>
+      <p:sp>
+        <p:nvSpPr>
+          <p:cNvPr id="9" name="TextBox 8"/>
+          <p:cNvSpPr txBox="1"/>
+          <p:nvPr/>
+        </p:nvSpPr>
+        <p:spPr>
+          <a:xfrm>
+            <a:off x="900773" y="2307190"/>
+            <a:ext cx="2590800" cy="646331"/>
+          </a:xfrm>
+          <a:prstGeom prst="rect">
+            <a:avLst/>
+          </a:prstGeom>
+          <a:noFill/>
+        </p:spPr>
+        <p:txBody>
+          <a:bodyPr wrap="square" rtlCol="0">
+            <a:spAutoFit/>
+          </a:bodyPr>
+          <a:lstStyle/>
+          <a:p>
+            <a:r>
+              <a:rPr lang="en-US" dirty="0" err="1" smtClean="0"/>
+              <a:t>Num_Particles</a:t>
+            </a:r>
+            <a:r>
+              <a:rPr lang="en-US" dirty="0" smtClean="0"/>
+              <a:t> = 20</a:t>
+            </a:r>
+          </a:p>
+          <a:p>
+            <a:r>
+              <a:rPr lang="en-US" dirty="0" err="1" smtClean="0"/>
+              <a:t>Num_Dimensions</a:t>
+            </a:r>
+            <a:r>
+              <a:rPr lang="en-US" dirty="0" smtClean="0"/>
+              <a:t> =2</a:t>
+            </a:r>
+            <a:endParaRPr lang="en-GB" dirty="0"/>
+          </a:p>
+        </p:txBody>
+      </p:sp>
+      <p:sp>
+        <p:nvSpPr>
+          <p:cNvPr id="10" name="TextBox 9"/>
+          <p:cNvSpPr txBox="1"/>
+          <p:nvPr/>
+        </p:nvSpPr>
+        <p:spPr>
+          <a:xfrm>
+            <a:off x="3491573" y="2307188"/>
+            <a:ext cx="2590800" cy="646331"/>
+          </a:xfrm>
+          <a:prstGeom prst="rect">
+            <a:avLst/>
+          </a:prstGeom>
+          <a:noFill/>
+        </p:spPr>
+        <p:txBody>
+          <a:bodyPr wrap="square" rtlCol="0">
+            <a:spAutoFit/>
+          </a:bodyPr>
+          <a:lstStyle/>
+          <a:p>
+            <a:r>
+              <a:rPr lang="en-US" dirty="0" err="1" smtClean="0"/>
+              <a:t>Num_Iterations</a:t>
+            </a:r>
+            <a:r>
+              <a:rPr lang="en-US" dirty="0" smtClean="0"/>
+              <a:t> = 50</a:t>
+            </a:r>
+          </a:p>
+          <a:p>
+            <a:r>
+              <a:rPr lang="en-US" dirty="0" err="1" smtClean="0"/>
+              <a:t>Num_Dimensions</a:t>
+            </a:r>
+            <a:r>
+              <a:rPr lang="en-US" dirty="0" smtClean="0"/>
+              <a:t> =2</a:t>
+            </a:r>
+            <a:endParaRPr lang="en-GB" dirty="0"/>
+          </a:p>
+        </p:txBody>
+      </p:sp>
+      <p:sp>
+        <p:nvSpPr>
+          <p:cNvPr id="11" name="TextBox 10"/>
+          <p:cNvSpPr txBox="1"/>
+          <p:nvPr/>
+        </p:nvSpPr>
+        <p:spPr>
+          <a:xfrm>
+            <a:off x="5921641" y="2307187"/>
+            <a:ext cx="2590800" cy="646331"/>
+          </a:xfrm>
+          <a:prstGeom prst="rect">
+            <a:avLst/>
+          </a:prstGeom>
+          <a:noFill/>
+        </p:spPr>
+        <p:txBody>
+          <a:bodyPr wrap="square" rtlCol="0">
+            <a:spAutoFit/>
+          </a:bodyPr>
+          <a:lstStyle/>
+          <a:p>
+            <a:r>
+              <a:rPr lang="en-US" dirty="0" err="1" smtClean="0"/>
+              <a:t>Num_Particles</a:t>
+            </a:r>
+            <a:r>
+              <a:rPr lang="en-US" dirty="0" smtClean="0"/>
+              <a:t> = 20</a:t>
+            </a:r>
+          </a:p>
+          <a:p>
+            <a:r>
+              <a:rPr lang="en-US" dirty="0" err="1" smtClean="0"/>
+              <a:t>Num_Iterations</a:t>
+            </a:r>
+            <a:r>
+              <a:rPr lang="en-US" smtClean="0"/>
+              <a:t> =50</a:t>
+            </a:r>
+            <a:endParaRPr lang="en-GB" dirty="0"/>
+          </a:p>
+        </p:txBody>
+      </p:sp>
+    </p:spTree>
+    <p:extLst>
+      <p:ext uri="{BB962C8B-B14F-4D97-AF65-F5344CB8AC3E}">
+        <p14:creationId xmlns:p14="http://schemas.microsoft.com/office/powerpoint/2010/main" val="4209534533"/>
+      </p:ext>
+    </p:extLst>
+  </p:cSld>
+  <p:clrMapOvr>
+    <a:masterClrMapping/>
+  </p:clrMapOvr>
+  <p:timing>
+    <p:tnLst>
+      <p:par>
+        <p:cTn id="1" dur="indefinite" restart="never" nodeType="tmRoot"/>
+      </p:par>
+    </p:tnLst>
+  </p:timing>
+</p:sld>
+</file>
+
+<file path=ppt/slides/slide15.xml><?xml version="1.0" encoding="utf-8"?>
+<p:sld xmlns:a="http://schemas.openxmlformats.org/drawingml/2006/main" xmlns:r="http://schemas.openxmlformats.org/officeDocument/2006/relationships" xmlns:p="http://schemas.openxmlformats.org/presentationml/2006/main">
+  <p:cSld>
+    <p:spTree>
+      <p:nvGrpSpPr>
+        <p:cNvPr id="1" name=""/>
+        <p:cNvGrpSpPr/>
+        <p:nvPr/>
+      </p:nvGrpSpPr>
+      <p:grpSpPr>
+        <a:xfrm>
+          <a:off x="0" y="0"/>
+          <a:ext cx="0" cy="0"/>
+          <a:chOff x="0" y="0"/>
+          <a:chExt cx="0" cy="0"/>
+        </a:xfrm>
+      </p:grpSpPr>
+      <p:sp>
+        <p:nvSpPr>
+          <p:cNvPr id="2" name="Title 1"/>
+          <p:cNvSpPr>
+            <a:spLocks noGrp="1"/>
+          </p:cNvSpPr>
+          <p:nvPr>
+            <p:ph type="title"/>
+          </p:nvPr>
+        </p:nvSpPr>
+        <p:spPr/>
+        <p:txBody>
           <a:bodyPr>
             <a:normAutofit/>
           </a:bodyPr>
@@ -4912,7 +5408,11 @@
             <a:pPr lvl="1"/>
             <a:r>
               <a:rPr lang="en-US" sz="2800" dirty="0" smtClean="0"/>
-              <a:t>Experimental Analysis and Validation</a:t>
+              <a:t>Experimental Analysis and </a:t>
+            </a:r>
+            <a:r>
+              <a:rPr lang="en-US" sz="2800" dirty="0" smtClean="0"/>
+              <a:t>Validation</a:t>
             </a:r>
             <a:endParaRPr lang="en-US" sz="2400" dirty="0" smtClean="0"/>
           </a:p>
@@ -4940,10 +5440,17 @@
   <p:clrMapOvr>
     <a:masterClrMapping/>
   </p:clrMapOvr>
+  <p:timing>
+    <p:tnLst>
+      <p:par>
+        <p:cTn id="1" dur="indefinite" restart="never" nodeType="tmRoot"/>
+      </p:par>
+    </p:tnLst>
+  </p:timing>
 </p:sld>
 </file>
 
-<file path=ppt/slides/slide15.xml><?xml version="1.0" encoding="utf-8"?>
+<file path=ppt/slides/slide16.xml><?xml version="1.0" encoding="utf-8"?>
 <p:sld xmlns:a="http://schemas.openxmlformats.org/drawingml/2006/main" xmlns:r="http://schemas.openxmlformats.org/officeDocument/2006/relationships" xmlns:p="http://schemas.openxmlformats.org/presentationml/2006/main">
   <p:cSld>
     <p:spTree>

--- a/Documentation/Presentation_final_PSO_Pyteam.pptx
+++ b/Documentation/Presentation_final_PSO_Pyteam.pptx
@@ -19,8 +19,10 @@
     <p:sldId id="281" r:id="rId13"/>
     <p:sldId id="283" r:id="rId14"/>
     <p:sldId id="282" r:id="rId15"/>
-    <p:sldId id="260" r:id="rId16"/>
-    <p:sldId id="263" r:id="rId17"/>
+    <p:sldId id="284" r:id="rId16"/>
+    <p:sldId id="285" r:id="rId17"/>
+    <p:sldId id="260" r:id="rId18"/>
+    <p:sldId id="263" r:id="rId19"/>
   </p:sldIdLst>
   <p:sldSz cx="9144000" cy="6858000" type="screen4x3"/>
   <p:notesSz cx="6858000" cy="9144000"/>
@@ -121,7 +123,7 @@
   </p:defaultTextStyle>
   <p:extLst>
     <p:ext uri="{EFAFB233-063F-42B5-8137-9DF3F51BA10A}">
-      <p15:sldGuideLst xmlns:p15="http://schemas.microsoft.com/office/powerpoint/2012/main">
+      <p15:sldGuideLst xmlns:p15="http://schemas.microsoft.com/office/powerpoint/2012/main" xmlns="">
         <p15:guide id="1" orient="horz" pos="2160">
           <p15:clr>
             <a:srgbClr val="A4A3A4"/>
@@ -4149,7 +4151,7 @@
                             <a:solidFill>
                               <a:schemeClr val="tx1"/>
                             </a:solidFill>
-                            <a:latin typeface="Cambria Math" panose="02040503050406030204" pitchFamily="18" charset="0"/>
+                            <a:latin typeface="Cambria Math"/>
                           </a:rPr>
                         </m:ctrlPr>
                       </m:sSubPr>
@@ -4215,7 +4217,7 @@
                             <a:solidFill>
                               <a:schemeClr val="tx1"/>
                             </a:solidFill>
-                            <a:latin typeface="Cambria Math" panose="02040503050406030204" pitchFamily="18" charset="0"/>
+                            <a:latin typeface="Cambria Math"/>
                           </a:rPr>
                         </m:ctrlPr>
                       </m:sSubPr>
@@ -4512,7 +4514,7 @@
                       <m:sSubPr>
                         <m:ctrlPr>
                           <a:rPr lang="en-US" sz="2400" i="1">
-                            <a:latin typeface="Cambria Math" panose="02040503050406030204" pitchFamily="18" charset="0"/>
+                            <a:latin typeface="Cambria Math"/>
                           </a:rPr>
                         </m:ctrlPr>
                       </m:sSubPr>
@@ -4557,7 +4559,7 @@
                       <m:sSubPr>
                         <m:ctrlPr>
                           <a:rPr lang="en-US" sz="2400" i="1">
-                            <a:latin typeface="Cambria Math" panose="02040503050406030204" pitchFamily="18" charset="0"/>
+                            <a:latin typeface="Cambria Math"/>
                           </a:rPr>
                         </m:ctrlPr>
                       </m:sSubPr>
@@ -4750,8 +4752,8 @@
           </a:p>
         </p:txBody>
       </p:sp>
-      <mc:AlternateContent xmlns:mc="http://schemas.openxmlformats.org/markup-compatibility/2006">
-        <mc:Choice xmlns:a14="http://schemas.microsoft.com/office/drawing/2010/main" Requires="a14">
+      <mc:AlternateContent xmlns:mc="http://schemas.openxmlformats.org/markup-compatibility/2006" xmlns:a14="http://schemas.microsoft.com/office/drawing/2010/main">
+        <mc:Choice Requires="a14">
           <p:sp>
             <p:nvSpPr>
               <p:cNvPr id="3" name="Content Placeholder 2"/>
@@ -4843,11 +4845,15 @@
                 <a14:m>
                   <m:oMath xmlns:m="http://schemas.openxmlformats.org/officeDocument/2006/math">
                     <m:r>
-                      <a:rPr lang="en-US" i="1" smtClean="0"/>
+                      <a:rPr lang="en-US" i="1" smtClean="0">
+                        <a:latin typeface="Cambria Math"/>
+                      </a:rPr>
                       <m:t>𝑥</m:t>
                     </m:r>
                     <m:r>
-                      <a:rPr lang="en-US" i="1" smtClean="0"/>
+                      <a:rPr lang="en-US" i="1" smtClean="0">
+                        <a:latin typeface="Cambria Math"/>
+                      </a:rPr>
                       <m:t>∈</m:t>
                     </m:r>
                     <m:d>
@@ -4856,13 +4862,15 @@
                         <m:endChr m:val="]"/>
                         <m:ctrlPr>
                           <a:rPr lang="en-US" i="1">
-                            <a:latin typeface="Cambria Math" panose="02040503050406030204" pitchFamily="18" charset="0"/>
+                            <a:latin typeface="Cambria Math"/>
                           </a:rPr>
                         </m:ctrlPr>
                       </m:dPr>
                       <m:e>
                         <m:r>
-                          <a:rPr lang="en-US" i="1"/>
+                          <a:rPr lang="en-US" i="1">
+                            <a:latin typeface="Cambria Math"/>
+                          </a:rPr>
                           <m:t>−5.12, 5.12 </m:t>
                         </m:r>
                       </m:e>
@@ -4897,11 +4905,15 @@
                 <a14:m>
                   <m:oMath xmlns:m="http://schemas.openxmlformats.org/officeDocument/2006/math">
                     <m:r>
-                      <a:rPr lang="en-US" i="1"/>
+                      <a:rPr lang="en-US" i="1">
+                        <a:latin typeface="Cambria Math"/>
+                      </a:rPr>
                       <m:t>𝑣</m:t>
                     </m:r>
                     <m:r>
-                      <a:rPr lang="en-US" i="1"/>
+                      <a:rPr lang="en-US" i="1">
+                        <a:latin typeface="Cambria Math"/>
+                      </a:rPr>
                       <m:t>∈[ 0 , 15 ]</m:t>
                     </m:r>
                   </m:oMath>
@@ -4914,7 +4926,7 @@
             </p:txBody>
           </p:sp>
         </mc:Choice>
-        <mc:Fallback>
+        <mc:Fallback xmlns="">
           <p:sp>
             <p:nvSpPr>
               <p:cNvPr id="3" name="Content Placeholder 2"/>
@@ -5036,11 +5048,7 @@
           <a:p>
             <a:r>
               <a:rPr lang="en-US" dirty="0" smtClean="0"/>
-              <a:t>We’ll </a:t>
-            </a:r>
-            <a:r>
-              <a:rPr lang="en-US" dirty="0" smtClean="0"/>
-              <a:t>test </a:t>
+              <a:t>We’ll test </a:t>
             </a:r>
             <a:r>
               <a:rPr lang="en-US" dirty="0"/>
@@ -5060,11 +5068,7 @@
             </a:r>
             <a:r>
               <a:rPr lang="en-US" dirty="0" smtClean="0"/>
-              <a:t> function </a:t>
-            </a:r>
-            <a:r>
-              <a:rPr lang="en-US" dirty="0" smtClean="0"/>
-              <a:t>on following test cases,</a:t>
+              <a:t> function on following test cases,</a:t>
             </a:r>
           </a:p>
           <a:p>
@@ -5338,6 +5342,382 @@
             <p:ph type="title"/>
           </p:nvPr>
         </p:nvSpPr>
+        <p:spPr>
+          <a:xfrm>
+            <a:off x="457200" y="274638"/>
+            <a:ext cx="3352800" cy="1325562"/>
+          </a:xfrm>
+        </p:spPr>
+        <p:txBody>
+          <a:bodyPr/>
+          <a:lstStyle/>
+          <a:p>
+            <a:r>
+              <a:rPr lang="en-US" sz="3200" u="sng" dirty="0" smtClean="0"/>
+              <a:t>Graphs (1/2):</a:t>
+            </a:r>
+            <a:r>
+              <a:rPr lang="en-US" sz="3200" dirty="0" smtClean="0"/>
+              <a:t/>
+            </a:r>
+            <a:br>
+              <a:rPr lang="en-US" sz="3200" dirty="0" smtClean="0"/>
+            </a:br>
+            <a:r>
+              <a:rPr lang="en-US" sz="2800" u="sng" dirty="0" smtClean="0"/>
+              <a:t>Case 1: </a:t>
+            </a:r>
+            <a:r>
+              <a:rPr lang="en-US" sz="3200" dirty="0" smtClean="0"/>
+              <a:t/>
+            </a:r>
+            <a:br>
+              <a:rPr lang="en-US" sz="3200" dirty="0" smtClean="0"/>
+            </a:br>
+            <a:endParaRPr lang="en-US" sz="3200" dirty="0"/>
+          </a:p>
+        </p:txBody>
+      </p:sp>
+      <p:pic>
+        <p:nvPicPr>
+          <p:cNvPr id="6" name="Content Placeholder 5"/>
+          <p:cNvPicPr>
+            <a:picLocks noGrp="1" noChangeAspect="1"/>
+          </p:cNvPicPr>
+          <p:nvPr>
+            <p:ph idx="1"/>
+          </p:nvPr>
+        </p:nvPicPr>
+        <p:blipFill rotWithShape="1">
+          <a:blip r:embed="rId2">
+            <a:extLst>
+              <a:ext uri="{28A0092B-C50C-407E-A947-70E740481C1C}">
+                <a14:useLocalDpi xmlns:a14="http://schemas.microsoft.com/office/drawing/2010/main" val="0"/>
+              </a:ext>
+            </a:extLst>
+          </a:blip>
+          <a:srcRect l="1637" t="48463" r="64726" b="14994"/>
+          <a:stretch/>
+        </p:blipFill>
+        <p:spPr>
+          <a:xfrm>
+            <a:off x="581890" y="1806370"/>
+            <a:ext cx="7038110" cy="4442030"/>
+          </a:xfrm>
+        </p:spPr>
+      </p:pic>
+      <p:sp>
+        <p:nvSpPr>
+          <p:cNvPr id="7" name="Title 1"/>
+          <p:cNvSpPr txBox="1">
+            <a:spLocks/>
+          </p:cNvSpPr>
+          <p:nvPr/>
+        </p:nvSpPr>
+        <p:spPr>
+          <a:xfrm>
+            <a:off x="4191000" y="304800"/>
+            <a:ext cx="3962400" cy="1325562"/>
+          </a:xfrm>
+          <a:prstGeom prst="rect">
+            <a:avLst/>
+          </a:prstGeom>
+        </p:spPr>
+        <p:txBody>
+          <a:bodyPr vert="horz" lIns="91440" tIns="45720" rIns="91440" bIns="45720" rtlCol="0" anchor="ctr">
+            <a:noAutofit/>
+          </a:bodyPr>
+          <a:lstStyle>
+            <a:lvl1pPr algn="l" defTabSz="914400" rtl="0" eaLnBrk="1" latinLnBrk="0" hangingPunct="1">
+              <a:spcBef>
+                <a:spcPct val="0"/>
+              </a:spcBef>
+              <a:buNone/>
+              <a:defRPr sz="4600" kern="1200" cap="none" spc="-100" baseline="0">
+                <a:ln>
+                  <a:noFill/>
+                </a:ln>
+                <a:solidFill>
+                  <a:schemeClr val="tx2"/>
+                </a:solidFill>
+                <a:effectLst/>
+                <a:latin typeface="+mj-lt"/>
+                <a:ea typeface="+mj-ea"/>
+                <a:cs typeface="+mj-cs"/>
+              </a:defRPr>
+            </a:lvl1pPr>
+          </a:lstStyle>
+          <a:p>
+            <a:r>
+              <a:rPr lang="en-US" sz="2400" b="1" dirty="0"/>
+              <a:t>y</a:t>
+            </a:r>
+            <a:r>
+              <a:rPr lang="en-US" sz="2400" b="1" dirty="0" smtClean="0"/>
+              <a:t>-axis = </a:t>
+            </a:r>
+            <a:r>
+              <a:rPr lang="en-US" sz="2400" b="1" dirty="0" err="1" smtClean="0"/>
+              <a:t>Num_dimensions</a:t>
+            </a:r>
+            <a:endParaRPr lang="en-US" sz="2400" b="1" dirty="0" smtClean="0"/>
+          </a:p>
+          <a:p>
+            <a:r>
+              <a:rPr lang="en-US" sz="2400" b="1" dirty="0"/>
+              <a:t>x</a:t>
+            </a:r>
+            <a:r>
+              <a:rPr lang="en-US" sz="2400" b="1" dirty="0" smtClean="0"/>
+              <a:t>-axis = time (</a:t>
+            </a:r>
+            <a:r>
+              <a:rPr lang="en-US" sz="2400" b="1" dirty="0" err="1" smtClean="0"/>
+              <a:t>ms</a:t>
+            </a:r>
+            <a:r>
+              <a:rPr lang="en-US" sz="2400" b="1" dirty="0" smtClean="0"/>
+              <a:t>) </a:t>
+            </a:r>
+            <a:r>
+              <a:rPr lang="en-US" sz="2400" dirty="0" smtClean="0"/>
+              <a:t/>
+            </a:r>
+            <a:br>
+              <a:rPr lang="en-US" sz="2400" dirty="0" smtClean="0"/>
+            </a:br>
+            <a:endParaRPr lang="en-US" sz="2400" dirty="0"/>
+          </a:p>
+        </p:txBody>
+      </p:sp>
+    </p:spTree>
+    <p:extLst>
+      <p:ext uri="{BB962C8B-B14F-4D97-AF65-F5344CB8AC3E}">
+        <p14:creationId xmlns:p14="http://schemas.microsoft.com/office/powerpoint/2010/main" val="801771224"/>
+      </p:ext>
+    </p:extLst>
+  </p:cSld>
+  <p:clrMapOvr>
+    <a:masterClrMapping/>
+  </p:clrMapOvr>
+</p:sld>
+</file>
+
+<file path=ppt/slides/slide16.xml><?xml version="1.0" encoding="utf-8"?>
+<p:sld xmlns:a="http://schemas.openxmlformats.org/drawingml/2006/main" xmlns:r="http://schemas.openxmlformats.org/officeDocument/2006/relationships" xmlns:p="http://schemas.openxmlformats.org/presentationml/2006/main">
+  <p:cSld>
+    <p:spTree>
+      <p:nvGrpSpPr>
+        <p:cNvPr id="1" name=""/>
+        <p:cNvGrpSpPr/>
+        <p:nvPr/>
+      </p:nvGrpSpPr>
+      <p:grpSpPr>
+        <a:xfrm>
+          <a:off x="0" y="0"/>
+          <a:ext cx="0" cy="0"/>
+          <a:chOff x="0" y="0"/>
+          <a:chExt cx="0" cy="0"/>
+        </a:xfrm>
+      </p:grpSpPr>
+      <p:pic>
+        <p:nvPicPr>
+          <p:cNvPr id="4" name="Content Placeholder 3"/>
+          <p:cNvPicPr>
+            <a:picLocks noGrp="1" noChangeAspect="1"/>
+          </p:cNvPicPr>
+          <p:nvPr>
+            <p:ph idx="1"/>
+          </p:nvPr>
+        </p:nvPicPr>
+        <p:blipFill rotWithShape="1">
+          <a:blip r:embed="rId2">
+            <a:extLst>
+              <a:ext uri="{28A0092B-C50C-407E-A947-70E740481C1C}">
+                <a14:useLocalDpi xmlns:a14="http://schemas.microsoft.com/office/drawing/2010/main" val="0"/>
+              </a:ext>
+            </a:extLst>
+          </a:blip>
+          <a:srcRect l="33818" t="49434" r="32000" b="15316"/>
+          <a:stretch/>
+        </p:blipFill>
+        <p:spPr>
+          <a:xfrm>
+            <a:off x="685800" y="2057400"/>
+            <a:ext cx="7093023" cy="4343400"/>
+          </a:xfrm>
+        </p:spPr>
+      </p:pic>
+      <p:sp>
+        <p:nvSpPr>
+          <p:cNvPr id="5" name="Title 1"/>
+          <p:cNvSpPr>
+            <a:spLocks noGrp="1"/>
+          </p:cNvSpPr>
+          <p:nvPr>
+            <p:ph type="title"/>
+          </p:nvPr>
+        </p:nvSpPr>
+        <p:spPr>
+          <a:xfrm>
+            <a:off x="457200" y="274638"/>
+            <a:ext cx="3352800" cy="1325562"/>
+          </a:xfrm>
+        </p:spPr>
+        <p:txBody>
+          <a:bodyPr/>
+          <a:lstStyle/>
+          <a:p>
+            <a:r>
+              <a:rPr lang="en-US" sz="3200" u="sng" dirty="0" smtClean="0"/>
+              <a:t>Graphs (2/2):</a:t>
+            </a:r>
+            <a:r>
+              <a:rPr lang="en-US" sz="3200" dirty="0" smtClean="0"/>
+              <a:t/>
+            </a:r>
+            <a:br>
+              <a:rPr lang="en-US" sz="3200" dirty="0" smtClean="0"/>
+            </a:br>
+            <a:r>
+              <a:rPr lang="en-US" sz="2800" u="sng" dirty="0" smtClean="0"/>
+              <a:t>Case 2: </a:t>
+            </a:r>
+            <a:r>
+              <a:rPr lang="en-US" sz="3200" dirty="0" smtClean="0"/>
+              <a:t/>
+            </a:r>
+            <a:br>
+              <a:rPr lang="en-US" sz="3200" dirty="0" smtClean="0"/>
+            </a:br>
+            <a:endParaRPr lang="en-US" sz="3200" dirty="0"/>
+          </a:p>
+        </p:txBody>
+      </p:sp>
+      <p:sp>
+        <p:nvSpPr>
+          <p:cNvPr id="6" name="Title 1"/>
+          <p:cNvSpPr txBox="1">
+            <a:spLocks/>
+          </p:cNvSpPr>
+          <p:nvPr/>
+        </p:nvSpPr>
+        <p:spPr>
+          <a:xfrm>
+            <a:off x="4191000" y="304800"/>
+            <a:ext cx="3962400" cy="1325562"/>
+          </a:xfrm>
+          <a:prstGeom prst="rect">
+            <a:avLst/>
+          </a:prstGeom>
+        </p:spPr>
+        <p:txBody>
+          <a:bodyPr vert="horz" lIns="91440" tIns="45720" rIns="91440" bIns="45720" rtlCol="0" anchor="ctr">
+            <a:noAutofit/>
+          </a:bodyPr>
+          <a:lstStyle>
+            <a:lvl1pPr algn="l" defTabSz="914400" rtl="0" eaLnBrk="1" latinLnBrk="0" hangingPunct="1">
+              <a:spcBef>
+                <a:spcPct val="0"/>
+              </a:spcBef>
+              <a:buNone/>
+              <a:defRPr sz="4600" kern="1200" cap="none" spc="-100" baseline="0">
+                <a:ln>
+                  <a:noFill/>
+                </a:ln>
+                <a:solidFill>
+                  <a:schemeClr val="tx2"/>
+                </a:solidFill>
+                <a:effectLst/>
+                <a:latin typeface="+mj-lt"/>
+                <a:ea typeface="+mj-ea"/>
+                <a:cs typeface="+mj-cs"/>
+              </a:defRPr>
+            </a:lvl1pPr>
+          </a:lstStyle>
+          <a:p>
+            <a:r>
+              <a:rPr lang="en-US" sz="2400" b="1" dirty="0"/>
+              <a:t>y</a:t>
+            </a:r>
+            <a:r>
+              <a:rPr lang="en-US" sz="2400" b="1" dirty="0" smtClean="0"/>
+              <a:t>-axis = </a:t>
+            </a:r>
+            <a:r>
+              <a:rPr lang="en-US" sz="2400" b="1" dirty="0" err="1" smtClean="0"/>
+              <a:t>Num_iterations</a:t>
+            </a:r>
+            <a:endParaRPr lang="en-US" sz="2400" b="1" dirty="0" smtClean="0"/>
+          </a:p>
+          <a:p>
+            <a:r>
+              <a:rPr lang="en-US" sz="2400" b="1" dirty="0"/>
+              <a:t>x</a:t>
+            </a:r>
+            <a:r>
+              <a:rPr lang="en-US" sz="2400" b="1" dirty="0" smtClean="0"/>
+              <a:t>-axis = time (</a:t>
+            </a:r>
+            <a:r>
+              <a:rPr lang="en-US" sz="2400" b="1" dirty="0" err="1" smtClean="0"/>
+              <a:t>ms</a:t>
+            </a:r>
+            <a:r>
+              <a:rPr lang="en-US" sz="2400" b="1" dirty="0" smtClean="0"/>
+              <a:t>) </a:t>
+            </a:r>
+            <a:r>
+              <a:rPr lang="en-US" sz="2400" dirty="0" smtClean="0"/>
+              <a:t/>
+            </a:r>
+            <a:br>
+              <a:rPr lang="en-US" sz="2400" dirty="0" smtClean="0"/>
+            </a:br>
+            <a:endParaRPr lang="en-US" sz="2400" dirty="0"/>
+          </a:p>
+        </p:txBody>
+      </p:sp>
+    </p:spTree>
+    <p:extLst>
+      <p:ext uri="{BB962C8B-B14F-4D97-AF65-F5344CB8AC3E}">
+        <p14:creationId xmlns:p14="http://schemas.microsoft.com/office/powerpoint/2010/main" val="272630066"/>
+      </p:ext>
+    </p:extLst>
+  </p:cSld>
+  <p:clrMapOvr>
+    <a:masterClrMapping/>
+  </p:clrMapOvr>
+</p:sld>
+</file>
+
+<file path=ppt/slides/slide17.xml><?xml version="1.0" encoding="utf-8"?>
+<p:sld xmlns:a="http://schemas.openxmlformats.org/drawingml/2006/main" xmlns:r="http://schemas.openxmlformats.org/officeDocument/2006/relationships" xmlns:p="http://schemas.openxmlformats.org/presentationml/2006/main">
+  <p:cSld>
+    <p:spTree>
+      <p:nvGrpSpPr>
+        <p:cNvPr id="1" name=""/>
+        <p:cNvGrpSpPr/>
+        <p:nvPr/>
+      </p:nvGrpSpPr>
+      <p:grpSpPr>
+        <a:xfrm>
+          <a:off x="0" y="0"/>
+          <a:ext cx="0" cy="0"/>
+          <a:chOff x="0" y="0"/>
+          <a:chExt cx="0" cy="0"/>
+        </a:xfrm>
+      </p:grpSpPr>
+      <p:sp>
+        <p:nvSpPr>
+          <p:cNvPr id="2" name="Title 1"/>
+          <p:cNvSpPr>
+            <a:spLocks noGrp="1"/>
+          </p:cNvSpPr>
+          <p:nvPr>
+            <p:ph type="title"/>
+          </p:nvPr>
+        </p:nvSpPr>
         <p:spPr/>
         <p:txBody>
           <a:bodyPr>
@@ -5408,11 +5788,7 @@
             <a:pPr lvl="1"/>
             <a:r>
               <a:rPr lang="en-US" sz="2800" dirty="0" smtClean="0"/>
-              <a:t>Experimental Analysis and </a:t>
-            </a:r>
-            <a:r>
-              <a:rPr lang="en-US" sz="2800" dirty="0" smtClean="0"/>
-              <a:t>Validation</a:t>
+              <a:t>Experimental Analysis and Validation</a:t>
             </a:r>
             <a:endParaRPr lang="en-US" sz="2400" dirty="0" smtClean="0"/>
           </a:p>
@@ -5450,7 +5826,7 @@
 </p:sld>
 </file>
 
-<file path=ppt/slides/slide16.xml><?xml version="1.0" encoding="utf-8"?>
+<file path=ppt/slides/slide18.xml><?xml version="1.0" encoding="utf-8"?>
 <p:sld xmlns:a="http://schemas.openxmlformats.org/drawingml/2006/main" xmlns:r="http://schemas.openxmlformats.org/officeDocument/2006/relationships" xmlns:p="http://schemas.openxmlformats.org/presentationml/2006/main">
   <p:cSld>
     <p:spTree>

--- a/Documentation/Presentation_final_PSO_Pyteam.pptx
+++ b/Documentation/Presentation_final_PSO_Pyteam.pptx
@@ -123,7 +123,7 @@
   </p:defaultTextStyle>
   <p:extLst>
     <p:ext uri="{EFAFB233-063F-42B5-8137-9DF3F51BA10A}">
-      <p15:sldGuideLst xmlns:p15="http://schemas.microsoft.com/office/powerpoint/2012/main" xmlns="">
+      <p15:sldGuideLst xmlns="" xmlns:p15="http://schemas.microsoft.com/office/powerpoint/2012/main">
         <p15:guide id="1" orient="horz" pos="2160">
           <p15:clr>
             <a:srgbClr val="A4A3A4"/>
@@ -5469,11 +5469,11 @@
             </a:r>
             <a:r>
               <a:rPr lang="en-US" sz="2400" b="1" dirty="0" smtClean="0"/>
-              <a:t>-axis = time (</a:t>
-            </a:r>
-            <a:r>
-              <a:rPr lang="en-US" sz="2400" b="1" dirty="0" err="1" smtClean="0"/>
-              <a:t>ms</a:t>
+              <a:t>-axis = time </a:t>
+            </a:r>
+            <a:r>
+              <a:rPr lang="en-US" sz="2400" b="1" dirty="0" smtClean="0"/>
+              <a:t>(s</a:t>
             </a:r>
             <a:r>
               <a:rPr lang="en-US" sz="2400" b="1" dirty="0" smtClean="0"/>
@@ -5657,11 +5657,15 @@
             </a:r>
             <a:r>
               <a:rPr lang="en-US" sz="2400" b="1" dirty="0" smtClean="0"/>
-              <a:t>-axis = time (</a:t>
-            </a:r>
-            <a:r>
-              <a:rPr lang="en-US" sz="2400" b="1" dirty="0" err="1" smtClean="0"/>
-              <a:t>ms</a:t>
+              <a:t>-axis = </a:t>
+            </a:r>
+            <a:r>
+              <a:rPr lang="en-US" sz="2400" b="1" smtClean="0"/>
+              <a:t>time </a:t>
+            </a:r>
+            <a:r>
+              <a:rPr lang="en-US" sz="2400" b="1" smtClean="0"/>
+              <a:t>(s</a:t>
             </a:r>
             <a:r>
               <a:rPr lang="en-US" sz="2400" b="1" dirty="0" smtClean="0"/>

--- a/Documentation/Presentation_final_PSO_Pyteam.pptx
+++ b/Documentation/Presentation_final_PSO_Pyteam.pptx
@@ -21,8 +21,9 @@
     <p:sldId id="282" r:id="rId15"/>
     <p:sldId id="284" r:id="rId16"/>
     <p:sldId id="285" r:id="rId17"/>
-    <p:sldId id="260" r:id="rId18"/>
-    <p:sldId id="263" r:id="rId19"/>
+    <p:sldId id="286" r:id="rId18"/>
+    <p:sldId id="260" r:id="rId19"/>
+    <p:sldId id="263" r:id="rId20"/>
   </p:sldIdLst>
   <p:sldSz cx="9144000" cy="6858000" type="screen4x3"/>
   <p:notesSz cx="6858000" cy="9144000"/>
@@ -123,7 +124,7 @@
   </p:defaultTextStyle>
   <p:extLst>
     <p:ext uri="{EFAFB233-063F-42B5-8137-9DF3F51BA10A}">
-      <p15:sldGuideLst xmlns="" xmlns:p15="http://schemas.microsoft.com/office/powerpoint/2012/main">
+      <p15:sldGuideLst xmlns:p15="http://schemas.microsoft.com/office/powerpoint/2012/main" xmlns="">
         <p15:guide id="1" orient="horz" pos="2160">
           <p15:clr>
             <a:srgbClr val="A4A3A4"/>
@@ -334,7 +335,7 @@
           <a:p>
             <a:fld id="{18DA7A65-120B-44B5-9CA7-EC23E690165B}" type="datetimeFigureOut">
               <a:rPr lang="en-US" smtClean="0"/>
-              <a:t>6/24/2020</a:t>
+              <a:t>6/26/2020</a:t>
             </a:fld>
             <a:endParaRPr lang="en-US" dirty="0"/>
           </a:p>
@@ -499,7 +500,7 @@
           <a:p>
             <a:fld id="{18DA7A65-120B-44B5-9CA7-EC23E690165B}" type="datetimeFigureOut">
               <a:rPr lang="en-US" smtClean="0"/>
-              <a:t>6/24/2020</a:t>
+              <a:t>6/26/2020</a:t>
             </a:fld>
             <a:endParaRPr lang="en-US" dirty="0"/>
           </a:p>
@@ -674,7 +675,7 @@
           <a:p>
             <a:fld id="{18DA7A65-120B-44B5-9CA7-EC23E690165B}" type="datetimeFigureOut">
               <a:rPr lang="en-US" smtClean="0"/>
-              <a:t>6/24/2020</a:t>
+              <a:t>6/26/2020</a:t>
             </a:fld>
             <a:endParaRPr lang="en-US" dirty="0"/>
           </a:p>
@@ -839,7 +840,7 @@
           <a:p>
             <a:fld id="{18DA7A65-120B-44B5-9CA7-EC23E690165B}" type="datetimeFigureOut">
               <a:rPr lang="en-US" smtClean="0"/>
-              <a:t>6/24/2020</a:t>
+              <a:t>6/26/2020</a:t>
             </a:fld>
             <a:endParaRPr lang="en-US" dirty="0"/>
           </a:p>
@@ -1080,7 +1081,7 @@
           <a:p>
             <a:fld id="{18DA7A65-120B-44B5-9CA7-EC23E690165B}" type="datetimeFigureOut">
               <a:rPr lang="en-US" smtClean="0"/>
-              <a:t>6/24/2020</a:t>
+              <a:t>6/26/2020</a:t>
             </a:fld>
             <a:endParaRPr lang="en-US" dirty="0"/>
           </a:p>
@@ -1363,7 +1364,7 @@
           <a:p>
             <a:fld id="{18DA7A65-120B-44B5-9CA7-EC23E690165B}" type="datetimeFigureOut">
               <a:rPr lang="en-US" smtClean="0"/>
-              <a:t>6/24/2020</a:t>
+              <a:t>6/26/2020</a:t>
             </a:fld>
             <a:endParaRPr lang="en-US" dirty="0"/>
           </a:p>
@@ -1792,7 +1793,7 @@
           <a:p>
             <a:fld id="{18DA7A65-120B-44B5-9CA7-EC23E690165B}" type="datetimeFigureOut">
               <a:rPr lang="en-US" smtClean="0"/>
-              <a:t>6/24/2020</a:t>
+              <a:t>6/26/2020</a:t>
             </a:fld>
             <a:endParaRPr lang="en-US" dirty="0"/>
           </a:p>
@@ -1905,7 +1906,7 @@
           <a:p>
             <a:fld id="{18DA7A65-120B-44B5-9CA7-EC23E690165B}" type="datetimeFigureOut">
               <a:rPr lang="en-US" smtClean="0"/>
-              <a:t>6/24/2020</a:t>
+              <a:t>6/26/2020</a:t>
             </a:fld>
             <a:endParaRPr lang="en-US" dirty="0"/>
           </a:p>
@@ -1995,7 +1996,7 @@
           <a:p>
             <a:fld id="{18DA7A65-120B-44B5-9CA7-EC23E690165B}" type="datetimeFigureOut">
               <a:rPr lang="en-US" smtClean="0"/>
-              <a:t>6/24/2020</a:t>
+              <a:t>6/26/2020</a:t>
             </a:fld>
             <a:endParaRPr lang="en-US" dirty="0"/>
           </a:p>
@@ -2184,7 +2185,7 @@
           <a:p>
             <a:fld id="{18DA7A65-120B-44B5-9CA7-EC23E690165B}" type="datetimeFigureOut">
               <a:rPr lang="en-US" smtClean="0"/>
-              <a:t>6/24/2020</a:t>
+              <a:t>6/26/2020</a:t>
             </a:fld>
             <a:endParaRPr lang="en-US" dirty="0"/>
           </a:p>
@@ -2502,7 +2503,7 @@
           <a:p>
             <a:fld id="{18DA7A65-120B-44B5-9CA7-EC23E690165B}" type="datetimeFigureOut">
               <a:rPr lang="en-US" smtClean="0"/>
-              <a:t>6/24/2020</a:t>
+              <a:t>6/26/2020</a:t>
             </a:fld>
             <a:endParaRPr lang="en-US" dirty="0"/>
           </a:p>
@@ -2881,7 +2882,7 @@
           <a:p>
             <a:fld id="{18DA7A65-120B-44B5-9CA7-EC23E690165B}" type="datetimeFigureOut">
               <a:rPr lang="en-US" smtClean="0"/>
-              <a:t>6/24/2020</a:t>
+              <a:t>6/26/2020</a:t>
             </a:fld>
             <a:endParaRPr lang="en-US" dirty="0"/>
           </a:p>
@@ -5469,15 +5470,7 @@
             </a:r>
             <a:r>
               <a:rPr lang="en-US" sz="2400" b="1" dirty="0" smtClean="0"/>
-              <a:t>-axis = time </a:t>
-            </a:r>
-            <a:r>
-              <a:rPr lang="en-US" sz="2400" b="1" dirty="0" smtClean="0"/>
-              <a:t>(s</a:t>
-            </a:r>
-            <a:r>
-              <a:rPr lang="en-US" sz="2400" b="1" dirty="0" smtClean="0"/>
-              <a:t>) </a:t>
+              <a:t>-axis = time (s) </a:t>
             </a:r>
             <a:r>
               <a:rPr lang="en-US" sz="2400" dirty="0" smtClean="0"/>
@@ -5661,11 +5654,7 @@
             </a:r>
             <a:r>
               <a:rPr lang="en-US" sz="2400" b="1" smtClean="0"/>
-              <a:t>time </a:t>
-            </a:r>
-            <a:r>
-              <a:rPr lang="en-US" sz="2400" b="1" smtClean="0"/>
-              <a:t>(s</a:t>
+              <a:t>time (s</a:t>
             </a:r>
             <a:r>
               <a:rPr lang="en-US" sz="2400" b="1" dirty="0" smtClean="0"/>
@@ -5724,6 +5713,98 @@
         </p:nvSpPr>
         <p:spPr/>
         <p:txBody>
+          <a:bodyPr/>
+          <a:lstStyle/>
+          <a:p>
+            <a:r>
+              <a:rPr lang="en-US" sz="3600" dirty="0" smtClean="0"/>
+              <a:t>Applications of PSO</a:t>
+            </a:r>
+            <a:endParaRPr lang="en-US" sz="3600" dirty="0"/>
+          </a:p>
+        </p:txBody>
+      </p:sp>
+      <p:sp>
+        <p:nvSpPr>
+          <p:cNvPr id="3" name="Content Placeholder 2"/>
+          <p:cNvSpPr>
+            <a:spLocks noGrp="1"/>
+          </p:cNvSpPr>
+          <p:nvPr>
+            <p:ph idx="1"/>
+          </p:nvPr>
+        </p:nvSpPr>
+        <p:spPr/>
+        <p:txBody>
+          <a:bodyPr/>
+          <a:lstStyle/>
+          <a:p>
+            <a:pPr lvl="0"/>
+            <a:r>
+              <a:rPr lang="en-US" dirty="0"/>
+              <a:t>The Analysis of Basketball Free Throw Trajectory using PSO </a:t>
+            </a:r>
+            <a:r>
+              <a:rPr lang="en-US" dirty="0" smtClean="0"/>
+              <a:t>Algorithm</a:t>
+            </a:r>
+            <a:endParaRPr lang="en-US" dirty="0"/>
+          </a:p>
+          <a:p>
+            <a:pPr lvl="0"/>
+            <a:r>
+              <a:rPr lang="en-US" dirty="0" smtClean="0"/>
+              <a:t>Heating system planning problem (HSP)</a:t>
+            </a:r>
+            <a:endParaRPr lang="en-US" dirty="0"/>
+          </a:p>
+          <a:p>
+            <a:endParaRPr lang="en-US" dirty="0"/>
+          </a:p>
+        </p:txBody>
+      </p:sp>
+    </p:spTree>
+    <p:extLst>
+      <p:ext uri="{BB962C8B-B14F-4D97-AF65-F5344CB8AC3E}">
+        <p14:creationId xmlns:p14="http://schemas.microsoft.com/office/powerpoint/2010/main" val="2465442006"/>
+      </p:ext>
+    </p:extLst>
+  </p:cSld>
+  <p:clrMapOvr>
+    <a:masterClrMapping/>
+  </p:clrMapOvr>
+</p:sld>
+</file>
+
+<file path=ppt/slides/slide18.xml><?xml version="1.0" encoding="utf-8"?>
+<p:sld xmlns:a="http://schemas.openxmlformats.org/drawingml/2006/main" xmlns:r="http://schemas.openxmlformats.org/officeDocument/2006/relationships" xmlns:p="http://schemas.openxmlformats.org/presentationml/2006/main">
+  <p:cSld>
+    <p:spTree>
+      <p:nvGrpSpPr>
+        <p:cNvPr id="1" name=""/>
+        <p:cNvGrpSpPr/>
+        <p:nvPr/>
+      </p:nvGrpSpPr>
+      <p:grpSpPr>
+        <a:xfrm>
+          <a:off x="0" y="0"/>
+          <a:ext cx="0" cy="0"/>
+          <a:chOff x="0" y="0"/>
+          <a:chExt cx="0" cy="0"/>
+        </a:xfrm>
+      </p:grpSpPr>
+      <p:sp>
+        <p:nvSpPr>
+          <p:cNvPr id="2" name="Title 1"/>
+          <p:cNvSpPr>
+            <a:spLocks noGrp="1"/>
+          </p:cNvSpPr>
+          <p:nvPr>
+            <p:ph type="title"/>
+          </p:nvPr>
+        </p:nvSpPr>
+        <p:spPr/>
+        <p:txBody>
           <a:bodyPr>
             <a:normAutofit/>
           </a:bodyPr>
@@ -5830,7 +5911,7 @@
 </p:sld>
 </file>
 
-<file path=ppt/slides/slide18.xml><?xml version="1.0" encoding="utf-8"?>
+<file path=ppt/slides/slide19.xml><?xml version="1.0" encoding="utf-8"?>
 <p:sld xmlns:a="http://schemas.openxmlformats.org/drawingml/2006/main" xmlns:r="http://schemas.openxmlformats.org/officeDocument/2006/relationships" xmlns:p="http://schemas.openxmlformats.org/presentationml/2006/main">
   <p:cSld>
     <p:spTree>

--- a/Documentation/Presentation_final_PSO_Pyteam.pptx
+++ b/Documentation/Presentation_final_PSO_Pyteam.pptx
@@ -124,7 +124,7 @@
   </p:defaultTextStyle>
   <p:extLst>
     <p:ext uri="{EFAFB233-063F-42B5-8137-9DF3F51BA10A}">
-      <p15:sldGuideLst xmlns:p15="http://schemas.microsoft.com/office/powerpoint/2012/main" xmlns="">
+      <p15:sldGuideLst xmlns="" xmlns:p15="http://schemas.microsoft.com/office/powerpoint/2012/main">
         <p15:guide id="1" orient="horz" pos="2160">
           <p15:clr>
             <a:srgbClr val="A4A3A4"/>
@@ -5127,7 +5127,7 @@
         </p:blipFill>
         <p:spPr>
           <a:xfrm>
-            <a:off x="973499" y="2953521"/>
+            <a:off x="879991" y="2889387"/>
             <a:ext cx="2132424" cy="3890982"/>
           </a:xfrm>
           <a:prstGeom prst="rect">
@@ -5458,19 +5458,27 @@
               <a:t>-axis = </a:t>
             </a:r>
             <a:r>
+              <a:rPr lang="en-US" sz="2400" b="1" dirty="0" smtClean="0"/>
+              <a:t>time(s)</a:t>
+            </a:r>
+            <a:endParaRPr lang="en-US" sz="2400" b="1" dirty="0" smtClean="0"/>
+          </a:p>
+          <a:p>
+            <a:r>
+              <a:rPr lang="en-US" sz="2400" b="1" dirty="0"/>
+              <a:t>x</a:t>
+            </a:r>
+            <a:r>
+              <a:rPr lang="en-US" sz="2400" b="1" dirty="0" smtClean="0"/>
+              <a:t>-axis = </a:t>
+            </a:r>
+            <a:r>
               <a:rPr lang="en-US" sz="2400" b="1" dirty="0" err="1" smtClean="0"/>
               <a:t>Num_dimensions</a:t>
             </a:r>
-            <a:endParaRPr lang="en-US" sz="2400" b="1" dirty="0" smtClean="0"/>
-          </a:p>
-          <a:p>
-            <a:r>
-              <a:rPr lang="en-US" sz="2400" b="1" dirty="0"/>
-              <a:t>x</a:t>
-            </a:r>
             <a:r>
               <a:rPr lang="en-US" sz="2400" b="1" dirty="0" smtClean="0"/>
-              <a:t>-axis = time (s) </a:t>
+              <a:t> </a:t>
             </a:r>
             <a:r>
               <a:rPr lang="en-US" sz="2400" dirty="0" smtClean="0"/>
@@ -5493,6 +5501,13 @@
   <p:clrMapOvr>
     <a:masterClrMapping/>
   </p:clrMapOvr>
+  <p:timing>
+    <p:tnLst>
+      <p:par>
+        <p:cTn id="1" dur="indefinite" restart="never" nodeType="tmRoot"/>
+      </p:par>
+    </p:tnLst>
+  </p:timing>
 </p:sld>
 </file>
 
@@ -5638,27 +5653,23 @@
               <a:t>-axis = </a:t>
             </a:r>
             <a:r>
+              <a:rPr lang="en-US" sz="2400" b="1" dirty="0"/>
+              <a:t>time (s) </a:t>
+            </a:r>
+            <a:endParaRPr lang="en-US" sz="2400" b="1" dirty="0" smtClean="0"/>
+          </a:p>
+          <a:p>
+            <a:r>
+              <a:rPr lang="en-US" sz="2400" b="1" dirty="0" smtClean="0"/>
+              <a:t>x-axis </a:t>
+            </a:r>
+            <a:r>
+              <a:rPr lang="en-US" sz="2400" b="1" dirty="0" smtClean="0"/>
+              <a:t>= </a:t>
+            </a:r>
+            <a:r>
               <a:rPr lang="en-US" sz="2400" b="1" dirty="0" err="1" smtClean="0"/>
               <a:t>Num_iterations</a:t>
-            </a:r>
-            <a:endParaRPr lang="en-US" sz="2400" b="1" dirty="0" smtClean="0"/>
-          </a:p>
-          <a:p>
-            <a:r>
-              <a:rPr lang="en-US" sz="2400" b="1" dirty="0"/>
-              <a:t>x</a:t>
-            </a:r>
-            <a:r>
-              <a:rPr lang="en-US" sz="2400" b="1" dirty="0" smtClean="0"/>
-              <a:t>-axis = </a:t>
-            </a:r>
-            <a:r>
-              <a:rPr lang="en-US" sz="2400" b="1" smtClean="0"/>
-              <a:t>time (s</a:t>
-            </a:r>
-            <a:r>
-              <a:rPr lang="en-US" sz="2400" b="1" dirty="0" smtClean="0"/>
-              <a:t>) </a:t>
             </a:r>
             <a:r>
               <a:rPr lang="en-US" sz="2400" dirty="0" smtClean="0"/>
@@ -5681,6 +5692,13 @@
   <p:clrMapOvr>
     <a:masterClrMapping/>
   </p:clrMapOvr>
+  <p:timing>
+    <p:tnLst>
+      <p:par>
+        <p:cTn id="1" dur="indefinite" restart="never" nodeType="tmRoot"/>
+      </p:par>
+    </p:tnLst>
+  </p:timing>
 </p:sld>
 </file>
 
